--- a/Database Project_report.pptx
+++ b/Database Project_report.pptx
@@ -5,11 +5,17 @@
     <p:sldMasterId id="2147483648" r:id="rId1"/>
   </p:sldMasterIdLst>
   <p:sldIdLst>
-    <p:sldId id="256" r:id="rId2"/>
-    <p:sldId id="257" r:id="rId3"/>
-    <p:sldId id="258" r:id="rId4"/>
-    <p:sldId id="259" r:id="rId5"/>
-    <p:sldId id="260" r:id="rId6"/>
+    <p:sldId id="261" r:id="rId2"/>
+    <p:sldId id="256" r:id="rId3"/>
+    <p:sldId id="257" r:id="rId4"/>
+    <p:sldId id="258" r:id="rId5"/>
+    <p:sldId id="259" r:id="rId6"/>
+    <p:sldId id="260" r:id="rId7"/>
+    <p:sldId id="265" r:id="rId8"/>
+    <p:sldId id="262" r:id="rId9"/>
+    <p:sldId id="263" r:id="rId10"/>
+    <p:sldId id="264" r:id="rId11"/>
+    <p:sldId id="266" r:id="rId12"/>
   </p:sldIdLst>
   <p:sldSz cx="12192000" cy="6858000"/>
   <p:notesSz cx="6858000" cy="9144000"/>
@@ -109,10 +115,6 @@
     </a:lvl9pPr>
   </p:defaultTextStyle>
 </p:presentation>
-</file>
-
-<file path=ppt/revisionInfo.xml><?xml version="1.0" encoding="utf-8"?>
-<p1510:revInfo xmlns:a="http://schemas.openxmlformats.org/drawingml/2006/main" xmlns:r="http://schemas.openxmlformats.org/officeDocument/2006/relationships" xmlns:p1510="http://schemas.microsoft.com/office/powerpoint/2015/10/main"/>
 </file>
 
 <file path=ppt/slideLayouts/slideLayout1.xml><?xml version="1.0" encoding="utf-8"?>
@@ -12356,6 +12358,319 @@
           <p:cNvPr id="2" name="Title 1">
             <a:extLst>
               <a:ext uri="{FF2B5EF4-FFF2-40B4-BE49-F238E27FC236}">
+                <a16:creationId xmlns:a16="http://schemas.microsoft.com/office/drawing/2014/main" id="{628ECE03-FF07-4797-AF89-ED26DD0ABD02}"/>
+              </a:ext>
+            </a:extLst>
+          </p:cNvPr>
+          <p:cNvSpPr>
+            <a:spLocks noGrp="1"/>
+          </p:cNvSpPr>
+          <p:nvPr>
+            <p:ph type="title"/>
+          </p:nvPr>
+        </p:nvSpPr>
+        <p:spPr/>
+        <p:txBody>
+          <a:bodyPr/>
+          <a:lstStyle/>
+          <a:p>
+            <a:pPr algn="ctr"/>
+            <a:r>
+              <a:rPr lang="en-US" dirty="0"/>
+              <a:t>COP 4710- University Events Website</a:t>
+            </a:r>
+          </a:p>
+        </p:txBody>
+      </p:sp>
+      <p:sp>
+        <p:nvSpPr>
+          <p:cNvPr id="3" name="Content Placeholder 2">
+            <a:extLst>
+              <a:ext uri="{FF2B5EF4-FFF2-40B4-BE49-F238E27FC236}">
+                <a16:creationId xmlns:a16="http://schemas.microsoft.com/office/drawing/2014/main" id="{E52E4379-14BE-4712-A2CB-93F7E33202B3}"/>
+              </a:ext>
+            </a:extLst>
+          </p:cNvPr>
+          <p:cNvSpPr>
+            <a:spLocks noGrp="1"/>
+          </p:cNvSpPr>
+          <p:nvPr>
+            <p:ph idx="1"/>
+          </p:nvPr>
+        </p:nvSpPr>
+        <p:spPr/>
+        <p:txBody>
+          <a:bodyPr>
+            <a:normAutofit/>
+          </a:bodyPr>
+          <a:lstStyle/>
+          <a:p>
+            <a:pPr marL="0" indent="0">
+              <a:buNone/>
+            </a:pPr>
+            <a:r>
+              <a:rPr lang="en-US" sz="4000" dirty="0"/>
+              <a:t> Group 24: </a:t>
+            </a:r>
+          </a:p>
+          <a:p>
+            <a:r>
+              <a:rPr lang="en-US" sz="4000" dirty="0"/>
+              <a:t>Dan </a:t>
+            </a:r>
+            <a:r>
+              <a:rPr lang="en-US" sz="4000" dirty="0" err="1"/>
+              <a:t>Hellkamp</a:t>
+            </a:r>
+            <a:r>
+              <a:rPr lang="en-US" sz="4000" dirty="0"/>
+              <a:t>, </a:t>
+            </a:r>
+          </a:p>
+          <a:p>
+            <a:r>
+              <a:rPr lang="en-US" sz="4000" dirty="0"/>
+              <a:t>Austin Miller, </a:t>
+            </a:r>
+          </a:p>
+          <a:p>
+            <a:r>
+              <a:rPr lang="en-US" sz="4000" dirty="0"/>
+              <a:t>Titus </a:t>
+            </a:r>
+            <a:r>
+              <a:rPr lang="en-US" sz="4000" dirty="0" err="1"/>
+              <a:t>Dieuzil</a:t>
+            </a:r>
+            <a:endParaRPr lang="en-US" sz="4000" dirty="0"/>
+          </a:p>
+        </p:txBody>
+      </p:sp>
+    </p:spTree>
+    <p:extLst>
+      <p:ext uri="{BB962C8B-B14F-4D97-AF65-F5344CB8AC3E}">
+        <p14:creationId xmlns:p14="http://schemas.microsoft.com/office/powerpoint/2010/main" val="2252692553"/>
+      </p:ext>
+    </p:extLst>
+  </p:cSld>
+  <p:clrMapOvr>
+    <a:masterClrMapping/>
+  </p:clrMapOvr>
+</p:sld>
+</file>
+
+<file path=ppt/slides/slide10.xml><?xml version="1.0" encoding="utf-8"?>
+<p:sld xmlns:a="http://schemas.openxmlformats.org/drawingml/2006/main" xmlns:r="http://schemas.openxmlformats.org/officeDocument/2006/relationships" xmlns:p="http://schemas.openxmlformats.org/presentationml/2006/main">
+  <p:cSld>
+    <p:spTree>
+      <p:nvGrpSpPr>
+        <p:cNvPr id="1" name=""/>
+        <p:cNvGrpSpPr/>
+        <p:nvPr/>
+      </p:nvGrpSpPr>
+      <p:grpSpPr>
+        <a:xfrm>
+          <a:off x="0" y="0"/>
+          <a:ext cx="0" cy="0"/>
+          <a:chOff x="0" y="0"/>
+          <a:chExt cx="0" cy="0"/>
+        </a:xfrm>
+      </p:grpSpPr>
+      <p:sp>
+        <p:nvSpPr>
+          <p:cNvPr id="2" name="Title 1">
+            <a:extLst>
+              <a:ext uri="{FF2B5EF4-FFF2-40B4-BE49-F238E27FC236}">
+                <a16:creationId xmlns:a16="http://schemas.microsoft.com/office/drawing/2014/main" id="{2ECE91FF-454A-443C-8DFD-D006BBD58E76}"/>
+              </a:ext>
+            </a:extLst>
+          </p:cNvPr>
+          <p:cNvSpPr>
+            <a:spLocks noGrp="1"/>
+          </p:cNvSpPr>
+          <p:nvPr>
+            <p:ph type="title"/>
+          </p:nvPr>
+        </p:nvSpPr>
+        <p:spPr/>
+        <p:txBody>
+          <a:bodyPr/>
+          <a:lstStyle/>
+          <a:p>
+            <a:pPr algn="ctr"/>
+            <a:r>
+              <a:rPr lang="en-US" dirty="0"/>
+              <a:t>Search Events	</a:t>
+            </a:r>
+          </a:p>
+        </p:txBody>
+      </p:sp>
+      <p:sp>
+        <p:nvSpPr>
+          <p:cNvPr id="3" name="Content Placeholder 2">
+            <a:extLst>
+              <a:ext uri="{FF2B5EF4-FFF2-40B4-BE49-F238E27FC236}">
+                <a16:creationId xmlns:a16="http://schemas.microsoft.com/office/drawing/2014/main" id="{5A30FD8C-CB94-4B83-8BC0-44CCE7B3385D}"/>
+              </a:ext>
+            </a:extLst>
+          </p:cNvPr>
+          <p:cNvSpPr>
+            <a:spLocks noGrp="1"/>
+          </p:cNvSpPr>
+          <p:nvPr>
+            <p:ph idx="1"/>
+          </p:nvPr>
+        </p:nvSpPr>
+        <p:spPr/>
+        <p:txBody>
+          <a:bodyPr/>
+          <a:lstStyle/>
+          <a:p>
+            <a:r>
+              <a:rPr lang="en-US" dirty="0"/>
+              <a:t>Users may search by university, </a:t>
+            </a:r>
+            <a:r>
+              <a:rPr lang="en-US" dirty="0" err="1"/>
+              <a:t>rso</a:t>
+            </a:r>
+            <a:r>
+              <a:rPr lang="en-US" dirty="0"/>
+              <a:t>, or category (or any combination of the 3).  If a field is left blank, then it is simply ignored in the backend logic.</a:t>
+            </a:r>
+          </a:p>
+        </p:txBody>
+      </p:sp>
+    </p:spTree>
+    <p:extLst>
+      <p:ext uri="{BB962C8B-B14F-4D97-AF65-F5344CB8AC3E}">
+        <p14:creationId xmlns:p14="http://schemas.microsoft.com/office/powerpoint/2010/main" val="531295902"/>
+      </p:ext>
+    </p:extLst>
+  </p:cSld>
+  <p:clrMapOvr>
+    <a:masterClrMapping/>
+  </p:clrMapOvr>
+</p:sld>
+</file>
+
+<file path=ppt/slides/slide11.xml><?xml version="1.0" encoding="utf-8"?>
+<p:sld xmlns:a="http://schemas.openxmlformats.org/drawingml/2006/main" xmlns:r="http://schemas.openxmlformats.org/officeDocument/2006/relationships" xmlns:p="http://schemas.openxmlformats.org/presentationml/2006/main">
+  <p:cSld>
+    <p:spTree>
+      <p:nvGrpSpPr>
+        <p:cNvPr id="1" name=""/>
+        <p:cNvGrpSpPr/>
+        <p:nvPr/>
+      </p:nvGrpSpPr>
+      <p:grpSpPr>
+        <a:xfrm>
+          <a:off x="0" y="0"/>
+          <a:ext cx="0" cy="0"/>
+          <a:chOff x="0" y="0"/>
+          <a:chExt cx="0" cy="0"/>
+        </a:xfrm>
+      </p:grpSpPr>
+      <p:sp>
+        <p:nvSpPr>
+          <p:cNvPr id="2" name="Title 1">
+            <a:extLst>
+              <a:ext uri="{FF2B5EF4-FFF2-40B4-BE49-F238E27FC236}">
+                <a16:creationId xmlns:a16="http://schemas.microsoft.com/office/drawing/2014/main" id="{62F44232-3EA2-4F2B-805F-BED411891578}"/>
+              </a:ext>
+            </a:extLst>
+          </p:cNvPr>
+          <p:cNvSpPr>
+            <a:spLocks noGrp="1"/>
+          </p:cNvSpPr>
+          <p:nvPr>
+            <p:ph type="title"/>
+          </p:nvPr>
+        </p:nvSpPr>
+        <p:spPr/>
+        <p:txBody>
+          <a:bodyPr/>
+          <a:lstStyle/>
+          <a:p>
+            <a:pPr algn="ctr"/>
+            <a:r>
+              <a:rPr lang="en-US" dirty="0"/>
+              <a:t>Logout</a:t>
+            </a:r>
+          </a:p>
+        </p:txBody>
+      </p:sp>
+      <p:sp>
+        <p:nvSpPr>
+          <p:cNvPr id="3" name="Content Placeholder 2">
+            <a:extLst>
+              <a:ext uri="{FF2B5EF4-FFF2-40B4-BE49-F238E27FC236}">
+                <a16:creationId xmlns:a16="http://schemas.microsoft.com/office/drawing/2014/main" id="{33DE4B67-A655-4128-A35A-87513832FC98}"/>
+              </a:ext>
+            </a:extLst>
+          </p:cNvPr>
+          <p:cNvSpPr>
+            <a:spLocks noGrp="1"/>
+          </p:cNvSpPr>
+          <p:nvPr>
+            <p:ph idx="1"/>
+          </p:nvPr>
+        </p:nvSpPr>
+        <p:spPr/>
+        <p:txBody>
+          <a:bodyPr/>
+          <a:lstStyle/>
+          <a:p>
+            <a:r>
+              <a:rPr lang="en-US" dirty="0"/>
+              <a:t>When a user selects log out from the menu page,  the session is ended/destroyed and they are returned to </a:t>
+            </a:r>
+            <a:r>
+              <a:rPr lang="en-US"/>
+              <a:t>the login </a:t>
+            </a:r>
+            <a:r>
+              <a:rPr lang="en-US" dirty="0"/>
+              <a:t>page.</a:t>
+            </a:r>
+          </a:p>
+        </p:txBody>
+      </p:sp>
+    </p:spTree>
+    <p:extLst>
+      <p:ext uri="{BB962C8B-B14F-4D97-AF65-F5344CB8AC3E}">
+        <p14:creationId xmlns:p14="http://schemas.microsoft.com/office/powerpoint/2010/main" val="3457264384"/>
+      </p:ext>
+    </p:extLst>
+  </p:cSld>
+  <p:clrMapOvr>
+    <a:masterClrMapping/>
+  </p:clrMapOvr>
+</p:sld>
+</file>
+
+<file path=ppt/slides/slide2.xml><?xml version="1.0" encoding="utf-8"?>
+<p:sld xmlns:a="http://schemas.openxmlformats.org/drawingml/2006/main" xmlns:r="http://schemas.openxmlformats.org/officeDocument/2006/relationships" xmlns:p="http://schemas.openxmlformats.org/presentationml/2006/main">
+  <p:cSld>
+    <p:spTree>
+      <p:nvGrpSpPr>
+        <p:cNvPr id="1" name=""/>
+        <p:cNvGrpSpPr/>
+        <p:nvPr/>
+      </p:nvGrpSpPr>
+      <p:grpSpPr>
+        <a:xfrm>
+          <a:off x="0" y="0"/>
+          <a:ext cx="0" cy="0"/>
+          <a:chOff x="0" y="0"/>
+          <a:chExt cx="0" cy="0"/>
+        </a:xfrm>
+      </p:grpSpPr>
+      <p:sp>
+        <p:nvSpPr>
+          <p:cNvPr id="2" name="Title 1">
+            <a:extLst>
+              <a:ext uri="{FF2B5EF4-FFF2-40B4-BE49-F238E27FC236}">
                 <a16:creationId xmlns:a16="http://schemas.microsoft.com/office/drawing/2014/main" id="{D3B27D32-0CE2-4B27-9153-67A3F8520153}"/>
               </a:ext>
             </a:extLst>
@@ -12369,17 +12684,32 @@
         </p:nvSpPr>
         <p:spPr>
           <a:xfrm>
-            <a:off x="1747837" y="842963"/>
-            <a:ext cx="8791575" cy="1123950"/>
+            <a:off x="1990725" y="214313"/>
+            <a:ext cx="8996362" cy="1042989"/>
           </a:xfrm>
         </p:spPr>
         <p:txBody>
           <a:bodyPr>
-            <a:normAutofit/>
+            <a:normAutofit fontScale="90000"/>
           </a:bodyPr>
           <a:lstStyle/>
           <a:p>
             <a:pPr algn="ctr"/>
+            <a:br>
+              <a:rPr lang="en-US" sz="6000" dirty="0"/>
+            </a:br>
+            <a:br>
+              <a:rPr lang="en-US" sz="6000" dirty="0"/>
+            </a:br>
+            <a:br>
+              <a:rPr lang="en-US" sz="6000" dirty="0"/>
+            </a:br>
+            <a:br>
+              <a:rPr lang="en-US" sz="6000" dirty="0"/>
+            </a:br>
+            <a:br>
+              <a:rPr lang="en-US" sz="6000" dirty="0"/>
+            </a:br>
             <a:r>
               <a:rPr lang="en-US" sz="6000" dirty="0"/>
               <a:t>Database Project</a:t>
@@ -12405,20 +12735,21 @@
         </p:nvSpPr>
         <p:spPr>
           <a:xfrm>
-            <a:off x="1747837" y="2416175"/>
+            <a:off x="1862138" y="1846263"/>
             <a:ext cx="8791575" cy="3970337"/>
           </a:xfrm>
         </p:spPr>
         <p:txBody>
-          <a:bodyPr/>
+          <a:bodyPr>
+            <a:normAutofit fontScale="85000" lnSpcReduction="20000"/>
+          </a:bodyPr>
           <a:lstStyle/>
           <a:p>
             <a:r>
               <a:rPr lang="en-US" dirty="0">
                 <a:solidFill>
-                  <a:schemeClr val="bg1">
-                    <a:lumMod val="85000"/>
-                    <a:lumOff val="15000"/>
+                  <a:schemeClr val="tx1">
+                    <a:lumMod val="95000"/>
                   </a:schemeClr>
                 </a:solidFill>
                 <a:latin typeface="Arial Rounded MT Bold" panose="020F0704030504030204" pitchFamily="34" charset="0"/>
@@ -12434,9 +12765,8 @@
             <a:r>
               <a:rPr lang="en-US" dirty="0" err="1">
                 <a:solidFill>
-                  <a:schemeClr val="bg1">
-                    <a:lumMod val="85000"/>
-                    <a:lumOff val="15000"/>
+                  <a:schemeClr val="tx1">
+                    <a:lumMod val="95000"/>
                   </a:schemeClr>
                 </a:solidFill>
                 <a:latin typeface="Arial Rounded MT Bold" panose="020F0704030504030204" pitchFamily="34" charset="0"/>
@@ -12446,9 +12776,8 @@
             <a:r>
               <a:rPr lang="en-US" dirty="0">
                 <a:solidFill>
-                  <a:schemeClr val="bg1">
-                    <a:lumMod val="85000"/>
-                    <a:lumOff val="15000"/>
+                  <a:schemeClr val="tx1">
+                    <a:lumMod val="95000"/>
                   </a:schemeClr>
                 </a:solidFill>
                 <a:latin typeface="Arial Rounded MT Bold" panose="020F0704030504030204" pitchFamily="34" charset="0"/>
@@ -12464,9 +12793,8 @@
             <a:r>
               <a:rPr lang="en-US" dirty="0">
                 <a:solidFill>
-                  <a:schemeClr val="bg1">
-                    <a:lumMod val="85000"/>
-                    <a:lumOff val="15000"/>
+                  <a:schemeClr val="tx1">
+                    <a:lumMod val="95000"/>
                   </a:schemeClr>
                 </a:solidFill>
                 <a:latin typeface="Arial Rounded MT Bold" panose="020F0704030504030204" pitchFamily="34" charset="0"/>
@@ -12482,9 +12810,8 @@
             <a:r>
               <a:rPr lang="en-US" dirty="0">
                 <a:solidFill>
-                  <a:schemeClr val="bg1">
-                    <a:lumMod val="85000"/>
-                    <a:lumOff val="15000"/>
+                  <a:schemeClr val="tx1">
+                    <a:lumMod val="95000"/>
                   </a:schemeClr>
                 </a:solidFill>
                 <a:latin typeface="Arial Rounded MT Bold" panose="020F0704030504030204" pitchFamily="34" charset="0"/>
@@ -12500,9 +12827,8 @@
             <a:r>
               <a:rPr lang="en-US" dirty="0" err="1">
                 <a:solidFill>
-                  <a:schemeClr val="bg1">
-                    <a:lumMod val="85000"/>
-                    <a:lumOff val="15000"/>
+                  <a:schemeClr val="tx1">
+                    <a:lumMod val="95000"/>
                   </a:schemeClr>
                 </a:solidFill>
                 <a:latin typeface="Arial Rounded MT Bold" panose="020F0704030504030204" pitchFamily="34" charset="0"/>
@@ -12511,9 +12837,8 @@
             </a:r>
             <a:endParaRPr lang="en-US" dirty="0">
               <a:solidFill>
-                <a:schemeClr val="bg1">
-                  <a:lumMod val="85000"/>
-                  <a:lumOff val="15000"/>
+                <a:schemeClr val="tx1">
+                  <a:lumMod val="95000"/>
                 </a:schemeClr>
               </a:solidFill>
               <a:latin typeface="Arial Rounded MT Bold" panose="020F0704030504030204" pitchFamily="34" charset="0"/>
@@ -12527,9 +12852,8 @@
             <a:r>
               <a:rPr lang="en-US" dirty="0" err="1">
                 <a:solidFill>
-                  <a:schemeClr val="bg1">
-                    <a:lumMod val="85000"/>
-                    <a:lumOff val="15000"/>
+                  <a:schemeClr val="tx1">
+                    <a:lumMod val="95000"/>
                   </a:schemeClr>
                 </a:solidFill>
                 <a:latin typeface="Arial Rounded MT Bold" panose="020F0704030504030204" pitchFamily="34" charset="0"/>
@@ -12538,13 +12862,107 @@
             </a:r>
             <a:endParaRPr lang="en-US" dirty="0">
               <a:solidFill>
-                <a:schemeClr val="bg1">
-                  <a:lumMod val="85000"/>
-                  <a:lumOff val="15000"/>
+                <a:schemeClr val="tx1">
+                  <a:lumMod val="95000"/>
                 </a:schemeClr>
               </a:solidFill>
               <a:latin typeface="Arial Rounded MT Bold" panose="020F0704030504030204" pitchFamily="34" charset="0"/>
             </a:endParaRPr>
+          </a:p>
+          <a:p>
+            <a:pPr marL="342900" indent="-342900">
+              <a:buFont typeface="Arial" panose="020B0604020202020204" pitchFamily="34" charset="0"/>
+              <a:buChar char="•"/>
+            </a:pPr>
+            <a:r>
+              <a:rPr lang="en-US" dirty="0">
+                <a:solidFill>
+                  <a:schemeClr val="tx1">
+                    <a:lumMod val="95000"/>
+                  </a:schemeClr>
+                </a:solidFill>
+                <a:latin typeface="Arial Rounded MT Bold" panose="020F0704030504030204" pitchFamily="34" charset="0"/>
+              </a:rPr>
+              <a:t>Bootstrap</a:t>
+            </a:r>
+          </a:p>
+          <a:p>
+            <a:pPr marL="342900" indent="-342900">
+              <a:buFont typeface="Arial" panose="020B0604020202020204" pitchFamily="34" charset="0"/>
+              <a:buChar char="•"/>
+            </a:pPr>
+            <a:r>
+              <a:rPr lang="en-US" dirty="0" err="1">
+                <a:solidFill>
+                  <a:schemeClr val="tx1">
+                    <a:lumMod val="95000"/>
+                  </a:schemeClr>
+                </a:solidFill>
+                <a:latin typeface="Arial Rounded MT Bold" panose="020F0704030504030204" pitchFamily="34" charset="0"/>
+              </a:rPr>
+              <a:t>Mysql</a:t>
+            </a:r>
+            <a:endParaRPr lang="en-US" dirty="0">
+              <a:solidFill>
+                <a:schemeClr val="tx1">
+                  <a:lumMod val="95000"/>
+                </a:schemeClr>
+              </a:solidFill>
+              <a:latin typeface="Arial Rounded MT Bold" panose="020F0704030504030204" pitchFamily="34" charset="0"/>
+            </a:endParaRPr>
+          </a:p>
+          <a:p>
+            <a:pPr marL="342900" indent="-342900">
+              <a:buFont typeface="Arial" panose="020B0604020202020204" pitchFamily="34" charset="0"/>
+              <a:buChar char="•"/>
+            </a:pPr>
+            <a:r>
+              <a:rPr lang="en-US" dirty="0" err="1">
+                <a:solidFill>
+                  <a:schemeClr val="tx1">
+                    <a:lumMod val="95000"/>
+                  </a:schemeClr>
+                </a:solidFill>
+                <a:latin typeface="Arial Rounded MT Bold" panose="020F0704030504030204" pitchFamily="34" charset="0"/>
+              </a:rPr>
+              <a:t>Phpmyadmin</a:t>
+            </a:r>
+            <a:endParaRPr lang="en-US" dirty="0">
+              <a:solidFill>
+                <a:schemeClr val="tx1">
+                  <a:lumMod val="95000"/>
+                </a:schemeClr>
+              </a:solidFill>
+              <a:latin typeface="Arial Rounded MT Bold" panose="020F0704030504030204" pitchFamily="34" charset="0"/>
+            </a:endParaRPr>
+          </a:p>
+          <a:p>
+            <a:pPr marL="342900" indent="-342900">
+              <a:buFont typeface="Arial" panose="020B0604020202020204" pitchFamily="34" charset="0"/>
+              <a:buChar char="•"/>
+            </a:pPr>
+            <a:r>
+              <a:rPr lang="en-US" dirty="0" err="1">
+                <a:solidFill>
+                  <a:schemeClr val="tx1">
+                    <a:lumMod val="95000"/>
+                  </a:schemeClr>
+                </a:solidFill>
+                <a:latin typeface="Arial Rounded MT Bold" panose="020F0704030504030204" pitchFamily="34" charset="0"/>
+              </a:rPr>
+              <a:t>Github</a:t>
+            </a:r>
+            <a:r>
+              <a:rPr lang="en-US" dirty="0">
+                <a:solidFill>
+                  <a:schemeClr val="tx1">
+                    <a:lumMod val="95000"/>
+                  </a:schemeClr>
+                </a:solidFill>
+                <a:latin typeface="Arial Rounded MT Bold" panose="020F0704030504030204" pitchFamily="34" charset="0"/>
+              </a:rPr>
+              <a:t> (version control)</a:t>
+            </a:r>
           </a:p>
           <a:p>
             <a:pPr marL="342900" indent="-342900">
@@ -12596,7 +13014,7 @@
 </p:sld>
 </file>
 
-<file path=ppt/slides/slide2.xml><?xml version="1.0" encoding="utf-8"?>
+<file path=ppt/slides/slide3.xml><?xml version="1.0" encoding="utf-8"?>
 <p:sld xmlns:a="http://schemas.openxmlformats.org/drawingml/2006/main" xmlns:r="http://schemas.openxmlformats.org/officeDocument/2006/relationships" xmlns:p="http://schemas.openxmlformats.org/presentationml/2006/main">
   <p:cSld>
     <p:spTree>
@@ -12670,26 +13088,12 @@
             <a:r>
               <a:rPr lang="en-US" sz="3600" dirty="0">
                 <a:solidFill>
-                  <a:schemeClr val="bg1">
-                    <a:lumMod val="75000"/>
-                    <a:lumOff val="25000"/>
+                  <a:schemeClr val="tx1">
+                    <a:lumMod val="95000"/>
                   </a:schemeClr>
                 </a:solidFill>
               </a:rPr>
-              <a:t>For our back-end, we create an ER diagram and from it, we develop the relational schemas.</a:t>
-            </a:r>
-          </a:p>
-          <a:p>
-            <a:r>
-              <a:rPr lang="en-US" sz="3600" dirty="0">
-                <a:solidFill>
-                  <a:schemeClr val="bg1">
-                    <a:lumMod val="75000"/>
-                    <a:lumOff val="25000"/>
-                  </a:schemeClr>
-                </a:solidFill>
-              </a:rPr>
-              <a:t>We create the tables and populate them with dummy data.</a:t>
+              <a:t>We used XAMPP server to develop our website.  Specifically, we used MySQL for our database and PHP for our server side logic to interact with the database.</a:t>
             </a:r>
           </a:p>
         </p:txBody>
@@ -12707,7 +13111,7 @@
 </p:sld>
 </file>
 
-<file path=ppt/slides/slide3.xml><?xml version="1.0" encoding="utf-8"?>
+<file path=ppt/slides/slide4.xml><?xml version="1.0" encoding="utf-8"?>
 <p:sld xmlns:a="http://schemas.openxmlformats.org/drawingml/2006/main" xmlns:r="http://schemas.openxmlformats.org/officeDocument/2006/relationships" xmlns:p="http://schemas.openxmlformats.org/presentationml/2006/main">
   <p:cSld>
     <p:spTree>
@@ -12786,13 +13190,12 @@
             <a:r>
               <a:rPr lang="en-US" sz="4000" dirty="0">
                 <a:solidFill>
-                  <a:schemeClr val="bg1">
-                    <a:lumMod val="75000"/>
-                    <a:lumOff val="25000"/>
+                  <a:schemeClr val="tx1">
+                    <a:lumMod val="85000"/>
                   </a:schemeClr>
                 </a:solidFill>
               </a:rPr>
-              <a:t>For our front-end, we use HTML, PHP, MySQL to create the pages,  and this allows the  front-end to interface with the back-end.</a:t>
+              <a:t>For our front-end, we used Bootstrap for our HTML and CSS for a modern look and feel.</a:t>
             </a:r>
           </a:p>
         </p:txBody>
@@ -12810,7 +13213,7 @@
 </p:sld>
 </file>
 
-<file path=ppt/slides/slide4.xml><?xml version="1.0" encoding="utf-8"?>
+<file path=ppt/slides/slide5.xml><?xml version="1.0" encoding="utf-8"?>
 <p:sld xmlns:a="http://schemas.openxmlformats.org/drawingml/2006/main" xmlns:r="http://schemas.openxmlformats.org/officeDocument/2006/relationships" xmlns:p="http://schemas.openxmlformats.org/presentationml/2006/main">
   <p:cSld>
     <p:spTree>
@@ -12852,10 +13255,9 @@
           <a:p>
             <a:pPr algn="ctr"/>
             <a:r>
-              <a:rPr lang="en-US" sz="6000" dirty="0" err="1"/>
-              <a:t>DEsign</a:t>
-            </a:r>
-            <a:endParaRPr lang="en-US" sz="6000" dirty="0"/>
+              <a:rPr lang="en-US" sz="6000" dirty="0"/>
+              <a:t>Authentication</a:t>
+            </a:r>
           </a:p>
         </p:txBody>
       </p:sp>
@@ -12890,13 +13292,12 @@
             <a:r>
               <a:rPr lang="en-US" sz="4000" dirty="0">
                 <a:solidFill>
-                  <a:schemeClr val="bg1">
-                    <a:lumMod val="75000"/>
-                    <a:lumOff val="25000"/>
+                  <a:schemeClr val="tx1">
+                    <a:lumMod val="95000"/>
                   </a:schemeClr>
                 </a:solidFill>
               </a:rPr>
-              <a:t>In our design, a user would have to sign in first in order to get access to the system, otherwise, the user will be redirected to a page to register.</a:t>
+              <a:t>In order to use our website, a new user must first register via a link on the login page.  Upon registration, they set their own login credentials which are inserted into the database.</a:t>
             </a:r>
           </a:p>
           <a:p>
@@ -12924,7 +13325,7 @@
 </p:sld>
 </file>
 
-<file path=ppt/slides/slide5.xml><?xml version="1.0" encoding="utf-8"?>
+<file path=ppt/slides/slide6.xml><?xml version="1.0" encoding="utf-8"?>
 <p:sld xmlns:a="http://schemas.openxmlformats.org/drawingml/2006/main" xmlns:r="http://schemas.openxmlformats.org/officeDocument/2006/relationships" xmlns:p="http://schemas.openxmlformats.org/presentationml/2006/main">
   <p:cSld>
     <p:spTree>
@@ -12972,7 +13373,7 @@
             <a:pPr algn="ctr"/>
             <a:r>
               <a:rPr lang="en-US" sz="6000" dirty="0"/>
-              <a:t>Users</a:t>
+              <a:t>Privilege</a:t>
             </a:r>
           </a:p>
         </p:txBody>
@@ -13008,9 +13409,8 @@
             <a:r>
               <a:rPr lang="en-US" sz="3200" u="sng" dirty="0">
                 <a:solidFill>
-                  <a:schemeClr val="bg1">
-                    <a:lumMod val="75000"/>
-                    <a:lumOff val="25000"/>
+                  <a:schemeClr val="tx1">
+                    <a:lumMod val="95000"/>
                   </a:schemeClr>
                 </a:solidFill>
               </a:rPr>
@@ -13019,9 +13419,8 @@
             <a:r>
               <a:rPr lang="en-US" sz="3200" dirty="0">
                 <a:solidFill>
-                  <a:schemeClr val="bg1">
-                    <a:lumMod val="75000"/>
-                    <a:lumOff val="25000"/>
+                  <a:schemeClr val="tx1">
+                    <a:lumMod val="95000"/>
                   </a:schemeClr>
                 </a:solidFill>
               </a:rPr>
@@ -13032,9 +13431,8 @@
             <a:r>
               <a:rPr lang="en-US" sz="3200" u="sng" dirty="0">
                 <a:solidFill>
-                  <a:schemeClr val="bg1">
-                    <a:lumMod val="85000"/>
-                    <a:lumOff val="15000"/>
+                  <a:schemeClr val="tx1">
+                    <a:lumMod val="95000"/>
                   </a:schemeClr>
                 </a:solidFill>
               </a:rPr>
@@ -13043,9 +13441,8 @@
             <a:r>
               <a:rPr lang="en-US" sz="3200" dirty="0">
                 <a:solidFill>
-                  <a:schemeClr val="bg1">
-                    <a:lumMod val="85000"/>
-                    <a:lumOff val="15000"/>
+                  <a:schemeClr val="tx1">
+                    <a:lumMod val="95000"/>
                   </a:schemeClr>
                 </a:solidFill>
               </a:rPr>
@@ -13056,9 +13453,8 @@
             <a:r>
               <a:rPr lang="en-US" sz="3200" u="sng" dirty="0">
                 <a:solidFill>
-                  <a:schemeClr val="bg1">
-                    <a:lumMod val="85000"/>
-                    <a:lumOff val="15000"/>
+                  <a:schemeClr val="tx1">
+                    <a:lumMod val="95000"/>
                   </a:schemeClr>
                 </a:solidFill>
               </a:rPr>
@@ -13067,9 +13463,8 @@
             <a:r>
               <a:rPr lang="en-US" sz="3200" dirty="0">
                 <a:solidFill>
-                  <a:schemeClr val="bg1">
-                    <a:lumMod val="85000"/>
-                    <a:lumOff val="15000"/>
+                  <a:schemeClr val="tx1">
+                    <a:lumMod val="95000"/>
                   </a:schemeClr>
                 </a:solidFill>
               </a:rPr>
@@ -13112,6 +13507,313 @@
     <p:extLst>
       <p:ext uri="{BB962C8B-B14F-4D97-AF65-F5344CB8AC3E}">
         <p14:creationId xmlns:p14="http://schemas.microsoft.com/office/powerpoint/2010/main" val="660691804"/>
+      </p:ext>
+    </p:extLst>
+  </p:cSld>
+  <p:clrMapOvr>
+    <a:masterClrMapping/>
+  </p:clrMapOvr>
+</p:sld>
+</file>
+
+<file path=ppt/slides/slide7.xml><?xml version="1.0" encoding="utf-8"?>
+<p:sld xmlns:a="http://schemas.openxmlformats.org/drawingml/2006/main" xmlns:r="http://schemas.openxmlformats.org/officeDocument/2006/relationships" xmlns:p="http://schemas.openxmlformats.org/presentationml/2006/main">
+  <p:cSld>
+    <p:spTree>
+      <p:nvGrpSpPr>
+        <p:cNvPr id="1" name=""/>
+        <p:cNvGrpSpPr/>
+        <p:nvPr/>
+      </p:nvGrpSpPr>
+      <p:grpSpPr>
+        <a:xfrm>
+          <a:off x="0" y="0"/>
+          <a:ext cx="0" cy="0"/>
+          <a:chOff x="0" y="0"/>
+          <a:chExt cx="0" cy="0"/>
+        </a:xfrm>
+      </p:grpSpPr>
+      <p:sp>
+        <p:nvSpPr>
+          <p:cNvPr id="2" name="Title 1">
+            <a:extLst>
+              <a:ext uri="{FF2B5EF4-FFF2-40B4-BE49-F238E27FC236}">
+                <a16:creationId xmlns:a16="http://schemas.microsoft.com/office/drawing/2014/main" id="{D0E33402-6B06-4AFC-985E-D573675DE8F4}"/>
+              </a:ext>
+            </a:extLst>
+          </p:cNvPr>
+          <p:cNvSpPr>
+            <a:spLocks noGrp="1"/>
+          </p:cNvSpPr>
+          <p:nvPr>
+            <p:ph type="title"/>
+          </p:nvPr>
+        </p:nvSpPr>
+        <p:spPr/>
+        <p:txBody>
+          <a:bodyPr/>
+          <a:lstStyle/>
+          <a:p>
+            <a:pPr algn="ctr"/>
+            <a:r>
+              <a:rPr lang="en-US" dirty="0"/>
+              <a:t>Events page	</a:t>
+            </a:r>
+          </a:p>
+        </p:txBody>
+      </p:sp>
+      <p:sp>
+        <p:nvSpPr>
+          <p:cNvPr id="3" name="Content Placeholder 2">
+            <a:extLst>
+              <a:ext uri="{FF2B5EF4-FFF2-40B4-BE49-F238E27FC236}">
+                <a16:creationId xmlns:a16="http://schemas.microsoft.com/office/drawing/2014/main" id="{5243EFFF-4319-4A1A-92A3-77EC90A273D2}"/>
+              </a:ext>
+            </a:extLst>
+          </p:cNvPr>
+          <p:cNvSpPr>
+            <a:spLocks noGrp="1"/>
+          </p:cNvSpPr>
+          <p:nvPr>
+            <p:ph idx="1"/>
+          </p:nvPr>
+        </p:nvSpPr>
+        <p:spPr/>
+        <p:txBody>
+          <a:bodyPr/>
+          <a:lstStyle/>
+          <a:p>
+            <a:r>
+              <a:rPr lang="en-US" dirty="0"/>
+              <a:t>Upon signing into the web application, the user is taken directly to their events page displaying all of the events that the user is following (implemented by our ‘follows’ table which is tied to users and events).</a:t>
+            </a:r>
+          </a:p>
+        </p:txBody>
+      </p:sp>
+    </p:spTree>
+    <p:extLst>
+      <p:ext uri="{BB962C8B-B14F-4D97-AF65-F5344CB8AC3E}">
+        <p14:creationId xmlns:p14="http://schemas.microsoft.com/office/powerpoint/2010/main" val="2397412261"/>
+      </p:ext>
+    </p:extLst>
+  </p:cSld>
+  <p:clrMapOvr>
+    <a:masterClrMapping/>
+  </p:clrMapOvr>
+</p:sld>
+</file>
+
+<file path=ppt/slides/slide8.xml><?xml version="1.0" encoding="utf-8"?>
+<p:sld xmlns:a="http://schemas.openxmlformats.org/drawingml/2006/main" xmlns:r="http://schemas.openxmlformats.org/officeDocument/2006/relationships" xmlns:p="http://schemas.openxmlformats.org/presentationml/2006/main">
+  <p:cSld>
+    <p:spTree>
+      <p:nvGrpSpPr>
+        <p:cNvPr id="1" name=""/>
+        <p:cNvGrpSpPr/>
+        <p:nvPr/>
+      </p:nvGrpSpPr>
+      <p:grpSpPr>
+        <a:xfrm>
+          <a:off x="0" y="0"/>
+          <a:ext cx="0" cy="0"/>
+          <a:chOff x="0" y="0"/>
+          <a:chExt cx="0" cy="0"/>
+        </a:xfrm>
+      </p:grpSpPr>
+      <p:sp>
+        <p:nvSpPr>
+          <p:cNvPr id="2" name="Title 1">
+            <a:extLst>
+              <a:ext uri="{FF2B5EF4-FFF2-40B4-BE49-F238E27FC236}">
+                <a16:creationId xmlns:a16="http://schemas.microsoft.com/office/drawing/2014/main" id="{87B17D0D-8526-4C38-967F-390291F1E5CF}"/>
+              </a:ext>
+            </a:extLst>
+          </p:cNvPr>
+          <p:cNvSpPr>
+            <a:spLocks noGrp="1"/>
+          </p:cNvSpPr>
+          <p:nvPr>
+            <p:ph type="title"/>
+          </p:nvPr>
+        </p:nvSpPr>
+        <p:spPr/>
+        <p:txBody>
+          <a:bodyPr/>
+          <a:lstStyle/>
+          <a:p>
+            <a:pPr algn="ctr"/>
+            <a:r>
+              <a:rPr lang="en-US" dirty="0"/>
+              <a:t>Creating events</a:t>
+            </a:r>
+          </a:p>
+        </p:txBody>
+      </p:sp>
+      <p:sp>
+        <p:nvSpPr>
+          <p:cNvPr id="3" name="Content Placeholder 2">
+            <a:extLst>
+              <a:ext uri="{FF2B5EF4-FFF2-40B4-BE49-F238E27FC236}">
+                <a16:creationId xmlns:a16="http://schemas.microsoft.com/office/drawing/2014/main" id="{BC765061-EC13-46DD-9A20-995849594F72}"/>
+              </a:ext>
+            </a:extLst>
+          </p:cNvPr>
+          <p:cNvSpPr>
+            <a:spLocks noGrp="1"/>
+          </p:cNvSpPr>
+          <p:nvPr>
+            <p:ph idx="1"/>
+          </p:nvPr>
+        </p:nvSpPr>
+        <p:spPr/>
+        <p:txBody>
+          <a:bodyPr/>
+          <a:lstStyle/>
+          <a:p>
+            <a:r>
+              <a:rPr lang="en-US" dirty="0"/>
+              <a:t>When creating events we have implemented backend logic through a combination of </a:t>
+            </a:r>
+            <a:r>
+              <a:rPr lang="en-US" dirty="0" err="1"/>
+              <a:t>php</a:t>
+            </a:r>
+            <a:r>
+              <a:rPr lang="en-US" dirty="0"/>
+              <a:t> and </a:t>
+            </a:r>
+            <a:r>
+              <a:rPr lang="en-US" dirty="0" err="1"/>
+              <a:t>sql</a:t>
+            </a:r>
+            <a:r>
+              <a:rPr lang="en-US" dirty="0"/>
+              <a:t> to confirm that the </a:t>
+            </a:r>
+            <a:r>
+              <a:rPr lang="en-US" dirty="0" err="1"/>
+              <a:t>rso</a:t>
+            </a:r>
+            <a:r>
+              <a:rPr lang="en-US" dirty="0"/>
+              <a:t> has AT LEAST 6 members before allowing the event to be created.</a:t>
+            </a:r>
+          </a:p>
+          <a:p>
+            <a:pPr marL="0" indent="0">
+              <a:buNone/>
+            </a:pPr>
+            <a:endParaRPr lang="en-US" dirty="0"/>
+          </a:p>
+        </p:txBody>
+      </p:sp>
+    </p:spTree>
+    <p:extLst>
+      <p:ext uri="{BB962C8B-B14F-4D97-AF65-F5344CB8AC3E}">
+        <p14:creationId xmlns:p14="http://schemas.microsoft.com/office/powerpoint/2010/main" val="1378288672"/>
+      </p:ext>
+    </p:extLst>
+  </p:cSld>
+  <p:clrMapOvr>
+    <a:masterClrMapping/>
+  </p:clrMapOvr>
+</p:sld>
+</file>
+
+<file path=ppt/slides/slide9.xml><?xml version="1.0" encoding="utf-8"?>
+<p:sld xmlns:a="http://schemas.openxmlformats.org/drawingml/2006/main" xmlns:r="http://schemas.openxmlformats.org/officeDocument/2006/relationships" xmlns:p="http://schemas.openxmlformats.org/presentationml/2006/main">
+  <p:cSld>
+    <p:spTree>
+      <p:nvGrpSpPr>
+        <p:cNvPr id="1" name=""/>
+        <p:cNvGrpSpPr/>
+        <p:nvPr/>
+      </p:nvGrpSpPr>
+      <p:grpSpPr>
+        <a:xfrm>
+          <a:off x="0" y="0"/>
+          <a:ext cx="0" cy="0"/>
+          <a:chOff x="0" y="0"/>
+          <a:chExt cx="0" cy="0"/>
+        </a:xfrm>
+      </p:grpSpPr>
+      <p:sp>
+        <p:nvSpPr>
+          <p:cNvPr id="2" name="Title 1">
+            <a:extLst>
+              <a:ext uri="{FF2B5EF4-FFF2-40B4-BE49-F238E27FC236}">
+                <a16:creationId xmlns:a16="http://schemas.microsoft.com/office/drawing/2014/main" id="{4D6F6935-22C5-4DC2-84FF-91AE4B3F2694}"/>
+              </a:ext>
+            </a:extLst>
+          </p:cNvPr>
+          <p:cNvSpPr>
+            <a:spLocks noGrp="1"/>
+          </p:cNvSpPr>
+          <p:nvPr>
+            <p:ph type="title"/>
+          </p:nvPr>
+        </p:nvSpPr>
+        <p:spPr/>
+        <p:txBody>
+          <a:bodyPr/>
+          <a:lstStyle/>
+          <a:p>
+            <a:pPr algn="ctr"/>
+            <a:r>
+              <a:rPr lang="en-US" dirty="0"/>
+              <a:t>Joining </a:t>
+            </a:r>
+            <a:r>
+              <a:rPr lang="en-US" dirty="0" err="1"/>
+              <a:t>rsos</a:t>
+            </a:r>
+            <a:r>
+              <a:rPr lang="en-US" dirty="0"/>
+              <a:t>	</a:t>
+            </a:r>
+          </a:p>
+        </p:txBody>
+      </p:sp>
+      <p:sp>
+        <p:nvSpPr>
+          <p:cNvPr id="3" name="Content Placeholder 2">
+            <a:extLst>
+              <a:ext uri="{FF2B5EF4-FFF2-40B4-BE49-F238E27FC236}">
+                <a16:creationId xmlns:a16="http://schemas.microsoft.com/office/drawing/2014/main" id="{18515FC9-C308-4A0F-BD02-718AAFC51905}"/>
+              </a:ext>
+            </a:extLst>
+          </p:cNvPr>
+          <p:cNvSpPr>
+            <a:spLocks noGrp="1"/>
+          </p:cNvSpPr>
+          <p:nvPr>
+            <p:ph idx="1"/>
+          </p:nvPr>
+        </p:nvSpPr>
+        <p:spPr/>
+        <p:txBody>
+          <a:bodyPr/>
+          <a:lstStyle/>
+          <a:p>
+            <a:r>
+              <a:rPr lang="en-US" dirty="0"/>
+              <a:t>When a user decides to join an existing RSO, if there is an insufficient number of students in the RSO, the student is made aware that the club is currently inactive and </a:t>
+            </a:r>
+            <a:r>
+              <a:rPr lang="en-US" dirty="0" err="1"/>
+              <a:t>wil</a:t>
+            </a:r>
+            <a:r>
+              <a:rPr lang="en-US" dirty="0"/>
+              <a:t> be until attaining a minimum of 6 group members.  Otherwise, they are simply told RSO Joined Successfully and provided a link to return to the Home/Menu page.</a:t>
+            </a:r>
+          </a:p>
+        </p:txBody>
+      </p:sp>
+    </p:spTree>
+    <p:extLst>
+      <p:ext uri="{BB962C8B-B14F-4D97-AF65-F5344CB8AC3E}">
+        <p14:creationId xmlns:p14="http://schemas.microsoft.com/office/powerpoint/2010/main" val="2150450475"/>
       </p:ext>
     </p:extLst>
   </p:cSld>
